--- a/papers/asplos19-kim-slides.pptx
+++ b/papers/asplos19-kim-slides.pptx
@@ -248,7 +248,7 @@
           <a:p>
             <a:fld id="{C67A72C1-0D2A-41F5-8ED0-3D3DC9E977B9}" type="datetimeFigureOut">
               <a:rPr lang="en-US" smtClean="0"/>
-              <a:t>4/19/19</a:t>
+              <a:t>3/4/23</a:t>
             </a:fld>
             <a:endParaRPr lang="en-US"/>
           </a:p>
@@ -414,7 +414,7 @@
             <a:fld id="{2DE8C108-AB7E-41F9-BE29-EE918610279B}" type="datetimeFigureOut">
               <a:rPr lang="en-US" smtClean="0"/>
               <a:pPr/>
-              <a:t>4/19/19</a:t>
+              <a:t>3/4/23</a:t>
             </a:fld>
             <a:endParaRPr lang="en-US"/>
           </a:p>
@@ -24168,6 +24168,61 @@
 </file>
 
 <file path=customXml/item1.xml><?xml version="1.0" encoding="utf-8"?>
+<?mso-contentType ?>
+<spe:Receivers xmlns:spe="http://schemas.microsoft.com/sharepoint/events">
+  <Receiver>
+    <Name>Document ID Generator</Name>
+    <Synchronization>Synchronous</Synchronization>
+    <Type>10001</Type>
+    <SequenceNumber>1000</SequenceNumber>
+    <Assembly>Microsoft.Office.DocumentManagement, Version=14.0.0.0, Culture=neutral, PublicKeyToken=71e9bce111e9429c</Assembly>
+    <Class>Microsoft.Office.DocumentManagement.Internal.DocIdHandler</Class>
+    <Data/>
+    <Filter/>
+  </Receiver>
+  <Receiver>
+    <Name>Document ID Generator</Name>
+    <Synchronization>Synchronous</Synchronization>
+    <Type>10002</Type>
+    <SequenceNumber>1001</SequenceNumber>
+    <Assembly>Microsoft.Office.DocumentManagement, Version=14.0.0.0, Culture=neutral, PublicKeyToken=71e9bce111e9429c</Assembly>
+    <Class>Microsoft.Office.DocumentManagement.Internal.DocIdHandler</Class>
+    <Data/>
+    <Filter/>
+  </Receiver>
+  <Receiver>
+    <Name>Document ID Generator</Name>
+    <Synchronization>Synchronous</Synchronization>
+    <Type>10004</Type>
+    <SequenceNumber>1002</SequenceNumber>
+    <Assembly>Microsoft.Office.DocumentManagement, Version=14.0.0.0, Culture=neutral, PublicKeyToken=71e9bce111e9429c</Assembly>
+    <Class>Microsoft.Office.DocumentManagement.Internal.DocIdHandler</Class>
+    <Data/>
+    <Filter/>
+  </Receiver>
+  <Receiver>
+    <Name>Document ID Generator</Name>
+    <Synchronization>Synchronous</Synchronization>
+    <Type>10006</Type>
+    <SequenceNumber>1003</SequenceNumber>
+    <Assembly>Microsoft.Office.DocumentManagement, Version=14.0.0.0, Culture=neutral, PublicKeyToken=71e9bce111e9429c</Assembly>
+    <Class>Microsoft.Office.DocumentManagement.Internal.DocIdHandler</Class>
+    <Data/>
+    <Filter/>
+  </Receiver>
+</spe:Receivers>
+</file>
+
+<file path=customXml/item2.xml><?xml version="1.0" encoding="utf-8"?>
+<?mso-contentType ?>
+<FormTemplates xmlns="http://schemas.microsoft.com/sharepoint/v3/contenttype/forms">
+  <Display>DocumentLibraryForm</Display>
+  <Edit>DocumentLibraryForm</Edit>
+  <New>DocumentLibraryForm</New>
+</FormTemplates>
+</file>
+
+<file path=customXml/item3.xml><?xml version="1.0" encoding="utf-8"?>
 <ct:contentTypeSchema xmlns:ct="http://schemas.microsoft.com/office/2006/metadata/contentType" xmlns:ma="http://schemas.microsoft.com/office/2006/metadata/properties/metaAttributes" ct:_="" ma:_="" ma:contentTypeName="Document" ma:contentTypeID="0x0101002F3DBABC677EAC4EB89D0E5813CE1C97" ma:contentTypeVersion="6" ma:contentTypeDescription="Create a new document." ma:contentTypeScope="" ma:versionID="358351ca2fb9834b45991cd07a49fd66">
   <xsd:schema xmlns:xsd="http://www.w3.org/2001/XMLSchema" xmlns:xs="http://www.w3.org/2001/XMLSchema" xmlns:p="http://schemas.microsoft.com/office/2006/metadata/properties" xmlns:ns1="http://schemas.microsoft.com/sharepoint/v3" xmlns:ns2="38f6e7a2-40cf-4302-a1d0-9363e537b5a7" targetNamespace="http://schemas.microsoft.com/office/2006/metadata/properties" ma:root="true" ma:fieldsID="4bd887af3a8eb19969b1c3516fc1fc7f" ns1:_="" ns2:_="">
     <xsd:import namespace="http://schemas.microsoft.com/sharepoint/v3"/>
@@ -24365,61 +24420,6 @@
 </ct:contentTypeSchema>
 </file>
 
-<file path=customXml/item2.xml><?xml version="1.0" encoding="utf-8"?>
-<?mso-contentType ?>
-<FormTemplates xmlns="http://schemas.microsoft.com/sharepoint/v3/contenttype/forms">
-  <Display>DocumentLibraryForm</Display>
-  <Edit>DocumentLibraryForm</Edit>
-  <New>DocumentLibraryForm</New>
-</FormTemplates>
-</file>
-
-<file path=customXml/item3.xml><?xml version="1.0" encoding="utf-8"?>
-<?mso-contentType ?>
-<spe:Receivers xmlns:spe="http://schemas.microsoft.com/sharepoint/events">
-  <Receiver>
-    <Name>Document ID Generator</Name>
-    <Synchronization>Synchronous</Synchronization>
-    <Type>10001</Type>
-    <SequenceNumber>1000</SequenceNumber>
-    <Assembly>Microsoft.Office.DocumentManagement, Version=14.0.0.0, Culture=neutral, PublicKeyToken=71e9bce111e9429c</Assembly>
-    <Class>Microsoft.Office.DocumentManagement.Internal.DocIdHandler</Class>
-    <Data/>
-    <Filter/>
-  </Receiver>
-  <Receiver>
-    <Name>Document ID Generator</Name>
-    <Synchronization>Synchronous</Synchronization>
-    <Type>10002</Type>
-    <SequenceNumber>1001</SequenceNumber>
-    <Assembly>Microsoft.Office.DocumentManagement, Version=14.0.0.0, Culture=neutral, PublicKeyToken=71e9bce111e9429c</Assembly>
-    <Class>Microsoft.Office.DocumentManagement.Internal.DocIdHandler</Class>
-    <Data/>
-    <Filter/>
-  </Receiver>
-  <Receiver>
-    <Name>Document ID Generator</Name>
-    <Synchronization>Synchronous</Synchronization>
-    <Type>10004</Type>
-    <SequenceNumber>1002</SequenceNumber>
-    <Assembly>Microsoft.Office.DocumentManagement, Version=14.0.0.0, Culture=neutral, PublicKeyToken=71e9bce111e9429c</Assembly>
-    <Class>Microsoft.Office.DocumentManagement.Internal.DocIdHandler</Class>
-    <Data/>
-    <Filter/>
-  </Receiver>
-  <Receiver>
-    <Name>Document ID Generator</Name>
-    <Synchronization>Synchronous</Synchronization>
-    <Type>10006</Type>
-    <SequenceNumber>1003</SequenceNumber>
-    <Assembly>Microsoft.Office.DocumentManagement, Version=14.0.0.0, Culture=neutral, PublicKeyToken=71e9bce111e9429c</Assembly>
-    <Class>Microsoft.Office.DocumentManagement.Internal.DocIdHandler</Class>
-    <Data/>
-    <Filter/>
-  </Receiver>
-</spe:Receivers>
-</file>
-
 <file path=customXml/item4.xml><?xml version="1.0" encoding="utf-8"?>
 <p:properties xmlns:p="http://schemas.microsoft.com/office/2006/metadata/properties" xmlns:xsi="http://www.w3.org/2001/XMLSchema-instance">
   <documentManagement>
@@ -24440,6 +24440,22 @@
 </file>
 
 <file path=customXml/itemProps1.xml><?xml version="1.0" encoding="utf-8"?>
+<ds:datastoreItem xmlns:ds="http://schemas.openxmlformats.org/officeDocument/2006/customXml" ds:itemID="{ABF90320-62F0-4599-85DC-D14AF5AC78B4}">
+  <ds:schemaRefs>
+    <ds:schemaRef ds:uri="http://schemas.microsoft.com/sharepoint/events"/>
+  </ds:schemaRefs>
+</ds:datastoreItem>
+</file>
+
+<file path=customXml/itemProps2.xml><?xml version="1.0" encoding="utf-8"?>
+<ds:datastoreItem xmlns:ds="http://schemas.openxmlformats.org/officeDocument/2006/customXml" ds:itemID="{5FB7DEAC-7366-45DE-8D92-51FE46985635}">
+  <ds:schemaRefs>
+    <ds:schemaRef ds:uri="http://schemas.microsoft.com/sharepoint/v3/contenttype/forms"/>
+  </ds:schemaRefs>
+</ds:datastoreItem>
+</file>
+
+<file path=customXml/itemProps3.xml><?xml version="1.0" encoding="utf-8"?>
 <ds:datastoreItem xmlns:ds="http://schemas.openxmlformats.org/officeDocument/2006/customXml" ds:itemID="{D0700612-5548-4C5F-B85B-1C0CBC7D8F75}">
   <ds:schemaRefs>
     <ds:schemaRef ds:uri="http://schemas.microsoft.com/office/2006/metadata/contentType"/>
@@ -24454,22 +24470,6 @@
     <ds:schemaRef ds:uri="http://purl.org/dc/elements/1.1/"/>
     <ds:schemaRef ds:uri="http://purl.org/dc/terms/"/>
     <ds:schemaRef ds:uri="http://schemas.microsoft.com/internal/obd"/>
-  </ds:schemaRefs>
-</ds:datastoreItem>
-</file>
-
-<file path=customXml/itemProps2.xml><?xml version="1.0" encoding="utf-8"?>
-<ds:datastoreItem xmlns:ds="http://schemas.openxmlformats.org/officeDocument/2006/customXml" ds:itemID="{5FB7DEAC-7366-45DE-8D92-51FE46985635}">
-  <ds:schemaRefs>
-    <ds:schemaRef ds:uri="http://schemas.microsoft.com/sharepoint/v3/contenttype/forms"/>
-  </ds:schemaRefs>
-</ds:datastoreItem>
-</file>
-
-<file path=customXml/itemProps3.xml><?xml version="1.0" encoding="utf-8"?>
-<ds:datastoreItem xmlns:ds="http://schemas.openxmlformats.org/officeDocument/2006/customXml" ds:itemID="{ABF90320-62F0-4599-85DC-D14AF5AC78B4}">
-  <ds:schemaRefs>
-    <ds:schemaRef ds:uri="http://schemas.microsoft.com/sharepoint/events"/>
   </ds:schemaRefs>
 </ds:datastoreItem>
 </file>
